--- a/doc/20141009親ゼミ用.pptx
+++ b/doc/20141009親ゼミ用.pptx
@@ -32,6 +32,15 @@
     <p:sldId id="276" r:id="rId26"/>
     <p:sldId id="258" r:id="rId27"/>
     <p:sldId id="259" r:id="rId28"/>
+    <p:sldId id="284" r:id="rId29"/>
+    <p:sldId id="285" r:id="rId30"/>
+    <p:sldId id="286" r:id="rId31"/>
+    <p:sldId id="287" r:id="rId32"/>
+    <p:sldId id="288" r:id="rId33"/>
+    <p:sldId id="289" r:id="rId34"/>
+    <p:sldId id="290" r:id="rId35"/>
+    <p:sldId id="291" r:id="rId36"/>
+    <p:sldId id="292" r:id="rId37"/>
   </p:sldIdLst>
   <p:sldSz cx="9144000" cy="6858000" type="screen4x3"/>
   <p:notesSz cx="6858000" cy="9144000"/>
@@ -3652,15 +3661,7 @@
           <a:p>
             <a:r>
               <a:rPr lang="ja-JP" altLang="en-US" dirty="0" smtClean="0"/>
-              <a:t>１０</a:t>
-            </a:r>
-            <a:r>
-              <a:rPr lang="ja-JP" altLang="en-US" dirty="0" smtClean="0"/>
-              <a:t>年</a:t>
-            </a:r>
-            <a:r>
-              <a:rPr lang="ja-JP" altLang="en-US" dirty="0" smtClean="0"/>
-              <a:t>ほど前の</a:t>
+              <a:t>１０年ほど前の</a:t>
             </a:r>
             <a:r>
               <a:rPr lang="en-US" altLang="ja-JP" dirty="0" smtClean="0"/>
@@ -3692,11 +3693,7 @@
             </a:r>
             <a:r>
               <a:rPr lang="en-US" altLang="ja-JP" dirty="0" err="1" smtClean="0"/>
-              <a:t>,</a:t>
-            </a:r>
-            <a:r>
-              <a:rPr lang="en-US" altLang="ja-JP" dirty="0" err="1" smtClean="0"/>
-              <a:t>PHP</a:t>
+              <a:t>,PHP</a:t>
             </a:r>
             <a:r>
               <a:rPr lang="en-US" altLang="ja-JP" dirty="0" smtClean="0"/>
@@ -3712,11 +3709,7 @@
             </a:r>
             <a:r>
               <a:rPr lang="ja-JP" altLang="en-US" dirty="0" smtClean="0"/>
-              <a:t>を</a:t>
-            </a:r>
-            <a:r>
-              <a:rPr lang="ja-JP" altLang="en-US" dirty="0" smtClean="0"/>
-              <a:t>使ったクライアント・サーバモデルが主流</a:t>
+              <a:t>を使ったクライアント・サーバモデルが主流</a:t>
             </a:r>
             <a:endParaRPr lang="en-US" altLang="ja-JP" dirty="0" smtClean="0"/>
           </a:p>
@@ -3990,23 +3983,19 @@
             </a:r>
             <a:r>
               <a:rPr lang="ja-JP" altLang="en-US" dirty="0" smtClean="0"/>
-              <a:t>の</a:t>
-            </a:r>
-            <a:r>
-              <a:rPr lang="en-US" altLang="ja-JP" dirty="0" smtClean="0"/>
-              <a:t>WEB</a:t>
-            </a:r>
-            <a:r>
-              <a:rPr lang="ja-JP" altLang="en-US" dirty="0" smtClean="0"/>
-              <a:t>開発</a:t>
-            </a:r>
-            <a:r>
-              <a:rPr lang="ja-JP" altLang="en-US" dirty="0" smtClean="0"/>
-              <a:t>環境</a:t>
+              <a:t>の開発</a:t>
+            </a:r>
+            <a:r>
+              <a:rPr lang="ja-JP" altLang="en-US" dirty="0" smtClean="0"/>
+              <a:t>トレンド</a:t>
             </a:r>
             <a:r>
               <a:rPr lang="ja-JP" altLang="en-US" sz="2400" dirty="0" smtClean="0"/>
-              <a:t>（ネタ成分多め）</a:t>
+              <a:t>（</a:t>
+            </a:r>
+            <a:r>
+              <a:rPr lang="ja-JP" altLang="en-US" sz="2400" dirty="0" smtClean="0"/>
+              <a:t>ネタ成分多め）</a:t>
             </a:r>
             <a:endParaRPr lang="en-US" altLang="ja-JP" sz="2400" dirty="0" smtClean="0"/>
           </a:p>
@@ -4075,11 +4064,7 @@
             </a:r>
             <a:r>
               <a:rPr lang="ja-JP" altLang="en-US" dirty="0" smtClean="0"/>
-              <a:t>の時代と言われ</a:t>
-            </a:r>
-            <a:r>
-              <a:rPr lang="ja-JP" altLang="en-US" dirty="0" smtClean="0"/>
-              <a:t>たり</a:t>
+              <a:t>の時代と言われたり</a:t>
             </a:r>
             <a:endParaRPr lang="en-US" altLang="ja-JP" dirty="0" smtClean="0"/>
           </a:p>
@@ -4230,25 +4215,25 @@
             </a:r>
             <a:r>
               <a:rPr lang="ja-JP" altLang="en-US" dirty="0" smtClean="0"/>
-              <a:t>年ころの</a:t>
-            </a:r>
+              <a:t>年ころ</a:t>
+            </a:r>
+            <a:r>
+              <a:rPr lang="ja-JP" altLang="en-US" dirty="0" smtClean="0"/>
+              <a:t>の開発</a:t>
+            </a:r>
+            <a:r>
+              <a:rPr lang="ja-JP" altLang="en-US" dirty="0" smtClean="0"/>
+              <a:t>トレンド</a:t>
+            </a:r>
+            <a:endParaRPr lang="en-US" altLang="ja-JP" dirty="0" smtClean="0"/>
+          </a:p>
+          <a:p>
+            <a:pPr lvl="1"/>
             <a:r>
               <a:rPr lang="en-US" altLang="ja-JP" dirty="0" smtClean="0"/>
               <a:t>WEB</a:t>
             </a:r>
             <a:r>
-              <a:rPr lang="ja-JP" altLang="en-US" dirty="0" smtClean="0"/>
-              <a:t>開発環境</a:t>
-            </a:r>
-            <a:endParaRPr lang="en-US" altLang="ja-JP" dirty="0" smtClean="0"/>
-          </a:p>
-          <a:p>
-            <a:pPr lvl="1"/>
-            <a:r>
-              <a:rPr lang="en-US" altLang="ja-JP" dirty="0" smtClean="0"/>
-              <a:t>WEB</a:t>
-            </a:r>
-            <a:r>
               <a:rPr lang="ja-JP" altLang="en-US" dirty="0"/>
               <a:t>系フルスタック</a:t>
             </a:r>
@@ -4274,11 +4259,7 @@
             </a:r>
             <a:r>
               <a:rPr lang="en-US" altLang="ja-JP" dirty="0" smtClean="0"/>
-              <a:t>?</a:t>
-            </a:r>
-            <a:r>
-              <a:rPr lang="en-US" altLang="ja-JP" dirty="0" smtClean="0"/>
-              <a:t>)</a:t>
+              <a:t>?)</a:t>
             </a:r>
             <a:endParaRPr lang="en-US" altLang="ja-JP" dirty="0"/>
           </a:p>
@@ -4448,7 +4429,15 @@
             <a:pPr lvl="1"/>
             <a:r>
               <a:rPr lang="ja-JP" altLang="en-US" dirty="0" smtClean="0"/>
-              <a:t>ドメイン固有言語</a:t>
+              <a:t>ドメイン</a:t>
+            </a:r>
+            <a:r>
+              <a:rPr lang="ja-JP" altLang="en-US" dirty="0" smtClean="0"/>
+              <a:t>特化</a:t>
+            </a:r>
+            <a:r>
+              <a:rPr lang="ja-JP" altLang="en-US" dirty="0" smtClean="0"/>
+              <a:t>言語</a:t>
             </a:r>
             <a:endParaRPr lang="en-US" altLang="ja-JP" dirty="0" smtClean="0"/>
           </a:p>
@@ -4571,7 +4560,11 @@
           <a:p>
             <a:r>
               <a:rPr lang="ja-JP" altLang="en-US" dirty="0" smtClean="0"/>
-              <a:t>一例（以下厳密には分類し難い）</a:t>
+              <a:t>例</a:t>
+            </a:r>
+            <a:r>
+              <a:rPr lang="ja-JP" altLang="en-US" dirty="0" smtClean="0"/>
+              <a:t>（以下厳密には分類し難い）</a:t>
             </a:r>
             <a:endParaRPr kumimoji="1" lang="en-US" altLang="ja-JP" dirty="0" smtClean="0"/>
           </a:p>
@@ -4756,6 +4749,18 @@
           </a:p>
           <a:p>
             <a:pPr lvl="1"/>
+            <a:r>
+              <a:rPr lang="en-US" altLang="ja-JP" dirty="0" smtClean="0"/>
+              <a:t>Simulink</a:t>
+            </a:r>
+            <a:r>
+              <a:rPr lang="ja-JP" altLang="en-US" dirty="0" smtClean="0"/>
+              <a:t>等も含まれることがある</a:t>
+            </a:r>
+            <a:endParaRPr kumimoji="1" lang="en-US" altLang="ja-JP" dirty="0" smtClean="0"/>
+          </a:p>
+          <a:p>
+            <a:pPr lvl="1"/>
             <a:endParaRPr kumimoji="1" lang="ja-JP" altLang="en-US" dirty="0"/>
           </a:p>
         </p:txBody>
@@ -4807,7 +4812,15 @@
           <a:p>
             <a:r>
               <a:rPr kumimoji="1" lang="ja-JP" altLang="en-US" dirty="0" smtClean="0"/>
-              <a:t>ドメイン固有言語</a:t>
+              <a:t>ドメイン</a:t>
+            </a:r>
+            <a:r>
+              <a:rPr lang="ja-JP" altLang="en-US" dirty="0" smtClean="0"/>
+              <a:t>特化</a:t>
+            </a:r>
+            <a:r>
+              <a:rPr kumimoji="1" lang="ja-JP" altLang="en-US" dirty="0" smtClean="0"/>
+              <a:t>言語</a:t>
             </a:r>
             <a:endParaRPr kumimoji="1" lang="ja-JP" altLang="en-US" dirty="0"/>
           </a:p>
@@ -4829,8 +4842,27 @@
           <a:lstStyle/>
           <a:p>
             <a:r>
-              <a:rPr kumimoji="1" lang="ja-JP" altLang="en-US" dirty="0" smtClean="0"/>
-              <a:t>特定のタスク向けに設計された言語</a:t>
+              <a:rPr kumimoji="1" lang="en-US" altLang="ja-JP" dirty="0" smtClean="0"/>
+              <a:t>Domain Specific Language</a:t>
+            </a:r>
+            <a:r>
+              <a:rPr kumimoji="1" lang="ja-JP" altLang="en-US" dirty="0" smtClean="0"/>
+              <a:t>（</a:t>
+            </a:r>
+            <a:r>
+              <a:rPr kumimoji="1" lang="en-US" altLang="ja-JP" dirty="0" smtClean="0"/>
+              <a:t>DSL)</a:t>
+            </a:r>
+            <a:endParaRPr kumimoji="1" lang="en-US" altLang="ja-JP" dirty="0" smtClean="0"/>
+          </a:p>
+          <a:p>
+            <a:r>
+              <a:rPr kumimoji="1" lang="ja-JP" altLang="en-US" dirty="0" smtClean="0"/>
+              <a:t>特定</a:t>
+            </a:r>
+            <a:r>
+              <a:rPr kumimoji="1" lang="ja-JP" altLang="en-US" dirty="0" smtClean="0"/>
+              <a:t>のタスク向けに設計された言語</a:t>
             </a:r>
             <a:endParaRPr kumimoji="1" lang="en-US" altLang="ja-JP" dirty="0" smtClean="0"/>
           </a:p>
@@ -4847,12 +4879,37 @@
               <a:rPr kumimoji="1" lang="en-US" altLang="ja-JP" dirty="0" smtClean="0"/>
               <a:t>Make</a:t>
             </a:r>
+            <a:r>
+              <a:rPr kumimoji="1" lang="ja-JP" altLang="en-US" dirty="0" smtClean="0"/>
+              <a:t>（依存関係解消用言語）</a:t>
+            </a:r>
+            <a:endParaRPr kumimoji="1" lang="en-US" altLang="ja-JP" dirty="0" smtClean="0"/>
           </a:p>
           <a:p>
             <a:pPr lvl="1"/>
             <a:r>
               <a:rPr kumimoji="1" lang="ja-JP" altLang="en-US" dirty="0" smtClean="0"/>
-              <a:t>表計算のマクロ</a:t>
+              <a:t>表</a:t>
+            </a:r>
+            <a:r>
+              <a:rPr kumimoji="1" lang="ja-JP" altLang="en-US" dirty="0" smtClean="0"/>
+              <a:t>計算</a:t>
+            </a:r>
+            <a:r>
+              <a:rPr kumimoji="1" lang="ja-JP" altLang="en-US" dirty="0" smtClean="0"/>
+              <a:t>ソフト</a:t>
+            </a:r>
+            <a:r>
+              <a:rPr kumimoji="1" lang="ja-JP" altLang="en-US" dirty="0" smtClean="0"/>
+              <a:t>のマクロ</a:t>
+            </a:r>
+            <a:endParaRPr kumimoji="1" lang="en-US" altLang="ja-JP" dirty="0" smtClean="0"/>
+          </a:p>
+          <a:p>
+            <a:pPr lvl="1"/>
+            <a:r>
+              <a:rPr lang="ja-JP" altLang="en-US" dirty="0" smtClean="0"/>
+              <a:t>正規表現（字句解析記述言語）</a:t>
             </a:r>
             <a:endParaRPr kumimoji="1" lang="en-US" altLang="ja-JP" dirty="0" smtClean="0"/>
           </a:p>
@@ -4862,12 +4919,21 @@
               <a:rPr lang="en-US" altLang="ja-JP" dirty="0" smtClean="0"/>
               <a:t>SQL</a:t>
             </a:r>
+            <a:r>
+              <a:rPr lang="ja-JP" altLang="en-US" dirty="0" smtClean="0"/>
+              <a:t>（データベースへの問い合わせ）</a:t>
+            </a:r>
+            <a:endParaRPr lang="en-US" altLang="ja-JP" dirty="0" smtClean="0"/>
           </a:p>
           <a:p>
             <a:pPr lvl="1"/>
             <a:r>
               <a:rPr kumimoji="1" lang="en-US" altLang="ja-JP" dirty="0" err="1" smtClean="0"/>
-              <a:t>CSound</a:t>
+              <a:t>Csound</a:t>
+            </a:r>
+            <a:r>
+              <a:rPr kumimoji="1" lang="ja-JP" altLang="en-US" dirty="0" smtClean="0"/>
+              <a:t>（音響・音楽合成用）</a:t>
             </a:r>
             <a:endParaRPr kumimoji="1" lang="ja-JP" altLang="en-US" dirty="0"/>
           </a:p>
@@ -4962,11 +5028,7 @@
           <a:p>
             <a:r>
               <a:rPr lang="ja-JP" altLang="en-US" dirty="0" smtClean="0"/>
-              <a:t>デバッグは最終的にはこれに</a:t>
-            </a:r>
-            <a:r>
-              <a:rPr lang="ja-JP" altLang="en-US" dirty="0" smtClean="0"/>
-              <a:t>尽きる</a:t>
+              <a:t>デバッグは最終的にはこれに尽きる</a:t>
             </a:r>
             <a:endParaRPr lang="en-US" altLang="ja-JP" dirty="0" smtClean="0"/>
           </a:p>
@@ -5517,7 +5579,15 @@
             <a:pPr lvl="1"/>
             <a:r>
               <a:rPr lang="ja-JP" altLang="en-US" dirty="0" smtClean="0"/>
-              <a:t>ツリー構造として扱う</a:t>
+              <a:t>文書を</a:t>
+            </a:r>
+            <a:r>
+              <a:rPr lang="ja-JP" altLang="en-US" dirty="0" smtClean="0"/>
+              <a:t>ツリー</a:t>
+            </a:r>
+            <a:r>
+              <a:rPr lang="ja-JP" altLang="en-US" dirty="0" smtClean="0"/>
+              <a:t>構造として扱う</a:t>
             </a:r>
             <a:endParaRPr lang="en-US" altLang="ja-JP" dirty="0" smtClean="0"/>
           </a:p>
@@ -5696,7 +5766,19 @@
             </a:r>
             <a:r>
               <a:rPr kumimoji="1" lang="ja-JP" altLang="en-US" dirty="0" smtClean="0"/>
-              <a:t>を制御フローフラグ（</a:t>
+              <a:t>を制御</a:t>
+            </a:r>
+            <a:r>
+              <a:rPr kumimoji="1" lang="ja-JP" altLang="en-US" dirty="0" smtClean="0"/>
+              <a:t>フロー</a:t>
+            </a:r>
+            <a:r>
+              <a:rPr kumimoji="1" lang="ja-JP" altLang="en-US" dirty="0" smtClean="0"/>
+              <a:t>グラフ</a:t>
+            </a:r>
+            <a:r>
+              <a:rPr kumimoji="1" lang="ja-JP" altLang="en-US" dirty="0" smtClean="0"/>
+              <a:t>（</a:t>
             </a:r>
             <a:r>
               <a:rPr kumimoji="1" lang="en-US" altLang="ja-JP" dirty="0" smtClean="0"/>
@@ -5704,7 +5786,15 @@
             </a:r>
             <a:r>
               <a:rPr kumimoji="1" lang="ja-JP" altLang="en-US" dirty="0" smtClean="0"/>
-              <a:t>に変換</a:t>
+              <a:t>に</a:t>
+            </a:r>
+            <a:r>
+              <a:rPr kumimoji="1" lang="ja-JP" altLang="en-US" dirty="0" smtClean="0"/>
+              <a:t>変換</a:t>
+            </a:r>
+            <a:r>
+              <a:rPr kumimoji="1" lang="ja-JP" altLang="en-US" dirty="0" smtClean="0"/>
+              <a:t>（プログラムを実行した時に通る可能性のある全経路をグラフ化したもの）</a:t>
             </a:r>
             <a:endParaRPr kumimoji="1" lang="en-US" altLang="ja-JP" dirty="0" smtClean="0"/>
           </a:p>
@@ -5898,11 +5988,7 @@
             </a:r>
             <a:r>
               <a:rPr lang="en-US" altLang="ja-JP" dirty="0" smtClean="0"/>
-              <a:t> Script Object Notation</a:t>
-            </a:r>
-            <a:r>
-              <a:rPr lang="en-US" altLang="ja-JP" dirty="0" smtClean="0"/>
-              <a:t>)</a:t>
+              <a:t> Script Object Notation)</a:t>
             </a:r>
             <a:r>
               <a:rPr lang="ja-JP" altLang="en-US" dirty="0" smtClean="0"/>
@@ -5926,15 +6012,7 @@
             </a:r>
             <a:r>
               <a:rPr lang="ja-JP" altLang="en-US" dirty="0" smtClean="0"/>
-              <a:t>を</a:t>
-            </a:r>
-            <a:r>
-              <a:rPr lang="ja-JP" altLang="en-US" dirty="0" smtClean="0"/>
-              <a:t>扱</a:t>
-            </a:r>
-            <a:r>
-              <a:rPr lang="ja-JP" altLang="en-US" dirty="0" smtClean="0"/>
-              <a:t>うための</a:t>
+              <a:t>を扱うための</a:t>
             </a:r>
             <a:r>
               <a:rPr lang="en-US" altLang="ja-JP" dirty="0" err="1" smtClean="0"/>
@@ -5946,11 +6024,7 @@
             <a:pPr lvl="1"/>
             <a:r>
               <a:rPr lang="ja-JP" altLang="en-US" dirty="0" smtClean="0"/>
-              <a:t>実行環境</a:t>
-            </a:r>
-            <a:r>
-              <a:rPr lang="ja-JP" altLang="en-US" dirty="0" smtClean="0"/>
-              <a:t>として</a:t>
+              <a:t>実行環境として</a:t>
             </a:r>
             <a:r>
               <a:rPr lang="en-US" altLang="ja-JP" dirty="0" smtClean="0"/>
@@ -6277,19 +6351,7 @@
             </a:pPr>
             <a:r>
               <a:rPr lang="ja-JP" altLang="en-US" dirty="0" smtClean="0"/>
-              <a:t>コードから</a:t>
-            </a:r>
-            <a:r>
-              <a:rPr lang="ja-JP" altLang="en-US" dirty="0" smtClean="0"/>
-              <a:t>可視化</a:t>
-            </a:r>
-            <a:r>
-              <a:rPr lang="ja-JP" altLang="en-US" dirty="0" smtClean="0"/>
-              <a:t>をする</a:t>
-            </a:r>
-            <a:r>
-              <a:rPr lang="ja-JP" altLang="en-US" dirty="0" smtClean="0"/>
-              <a:t>パターン</a:t>
+              <a:t>コードから可視化をするパターン</a:t>
             </a:r>
             <a:endParaRPr lang="en-US" altLang="ja-JP" dirty="0" smtClean="0"/>
           </a:p>
@@ -6334,11 +6396,7 @@
             </a:pPr>
             <a:r>
               <a:rPr lang="ja-JP" altLang="en-US" dirty="0" smtClean="0"/>
-              <a:t>データフローの</a:t>
-            </a:r>
-            <a:r>
-              <a:rPr lang="ja-JP" altLang="en-US" dirty="0" smtClean="0"/>
-              <a:t>可視化</a:t>
+              <a:t>データフローの可視化</a:t>
             </a:r>
             <a:endParaRPr kumimoji="1" lang="en-US" altLang="ja-JP" dirty="0" smtClean="0"/>
           </a:p>
@@ -6349,19 +6407,7 @@
             </a:pPr>
             <a:r>
               <a:rPr lang="ja-JP" altLang="en-US" dirty="0" smtClean="0"/>
-              <a:t>可視化</a:t>
-            </a:r>
-            <a:r>
-              <a:rPr lang="ja-JP" altLang="en-US" dirty="0" smtClean="0"/>
-              <a:t>モデルから</a:t>
-            </a:r>
-            <a:r>
-              <a:rPr lang="ja-JP" altLang="en-US" dirty="0" smtClean="0"/>
-              <a:t>コード生成</a:t>
-            </a:r>
-            <a:r>
-              <a:rPr lang="ja-JP" altLang="en-US" dirty="0" smtClean="0"/>
-              <a:t>するパターン</a:t>
+              <a:t>可視化モデルからコード生成するパターン</a:t>
             </a:r>
             <a:endParaRPr lang="en-US" altLang="ja-JP" dirty="0" smtClean="0"/>
           </a:p>
@@ -6405,6 +6451,177 @@
     <p:extLst>
       <p:ext uri="{BB962C8B-B14F-4D97-AF65-F5344CB8AC3E}">
         <p14:creationId xmlns:p14="http://schemas.microsoft.com/office/powerpoint/2010/main" val="1275010792"/>
+      </p:ext>
+    </p:extLst>
+  </p:cSld>
+  <p:clrMapOvr>
+    <a:masterClrMapping/>
+  </p:clrMapOvr>
+</p:sld>
+</file>
+
+<file path=ppt/slides/slide28.xml><?xml version="1.0" encoding="utf-8"?>
+<p:sld xmlns:a="http://schemas.openxmlformats.org/drawingml/2006/main" xmlns:r="http://schemas.openxmlformats.org/officeDocument/2006/relationships" xmlns:p="http://schemas.openxmlformats.org/presentationml/2006/main">
+  <p:cSld>
+    <p:spTree>
+      <p:nvGrpSpPr>
+        <p:cNvPr id="1" name=""/>
+        <p:cNvGrpSpPr/>
+        <p:nvPr/>
+      </p:nvGrpSpPr>
+      <p:grpSpPr>
+        <a:xfrm>
+          <a:off x="0" y="0"/>
+          <a:ext cx="0" cy="0"/>
+          <a:chOff x="0" y="0"/>
+          <a:chExt cx="0" cy="0"/>
+        </a:xfrm>
+      </p:grpSpPr>
+      <p:sp>
+        <p:nvSpPr>
+          <p:cNvPr id="2" name="タイトル 1"/>
+          <p:cNvSpPr>
+            <a:spLocks noGrp="1"/>
+          </p:cNvSpPr>
+          <p:nvPr>
+            <p:ph type="title"/>
+          </p:nvPr>
+        </p:nvSpPr>
+        <p:spPr/>
+        <p:txBody>
+          <a:bodyPr/>
+          <a:lstStyle/>
+          <a:p>
+            <a:r>
+              <a:rPr kumimoji="1" lang="ja-JP" altLang="en-US" dirty="0" smtClean="0"/>
+              <a:t>親ゼミ用おまけ（イントロ）</a:t>
+            </a:r>
+            <a:endParaRPr kumimoji="1" lang="ja-JP" altLang="en-US" dirty="0"/>
+          </a:p>
+        </p:txBody>
+      </p:sp>
+      <p:sp>
+        <p:nvSpPr>
+          <p:cNvPr id="3" name="コンテンツ プレースホルダー 2"/>
+          <p:cNvSpPr>
+            <a:spLocks noGrp="1"/>
+          </p:cNvSpPr>
+          <p:nvPr>
+            <p:ph idx="1"/>
+          </p:nvPr>
+        </p:nvSpPr>
+        <p:spPr/>
+        <p:txBody>
+          <a:bodyPr/>
+          <a:lstStyle/>
+          <a:p>
+            <a:r>
+              <a:rPr lang="en-US" altLang="ja-JP" dirty="0" err="1" smtClean="0"/>
+              <a:t>Github</a:t>
+            </a:r>
+            <a:r>
+              <a:rPr lang="ja-JP" altLang="en-US" dirty="0" smtClean="0"/>
+              <a:t>は便利だという話</a:t>
+            </a:r>
+            <a:endParaRPr lang="en-US" altLang="ja-JP" dirty="0" smtClean="0"/>
+          </a:p>
+          <a:p>
+            <a:pPr lvl="1"/>
+            <a:r>
+              <a:rPr lang="ja-JP" altLang="en-US" dirty="0" smtClean="0"/>
+              <a:t>ソースコード（や論文</a:t>
+            </a:r>
+            <a:r>
+              <a:rPr kumimoji="1" lang="ja-JP" altLang="en-US" dirty="0" smtClean="0"/>
+              <a:t>）書いていてちょっと前に戻したいときどうするの？</a:t>
+            </a:r>
+            <a:endParaRPr kumimoji="1" lang="en-US" altLang="ja-JP" dirty="0" smtClean="0"/>
+          </a:p>
+        </p:txBody>
+      </p:sp>
+    </p:spTree>
+    <p:extLst>
+      <p:ext uri="{BB962C8B-B14F-4D97-AF65-F5344CB8AC3E}">
+        <p14:creationId xmlns:p14="http://schemas.microsoft.com/office/powerpoint/2010/main" val="2683252354"/>
+      </p:ext>
+    </p:extLst>
+  </p:cSld>
+  <p:clrMapOvr>
+    <a:masterClrMapping/>
+  </p:clrMapOvr>
+</p:sld>
+</file>
+
+<file path=ppt/slides/slide29.xml><?xml version="1.0" encoding="utf-8"?>
+<p:sld xmlns:a="http://schemas.openxmlformats.org/drawingml/2006/main" xmlns:r="http://schemas.openxmlformats.org/officeDocument/2006/relationships" xmlns:p="http://schemas.openxmlformats.org/presentationml/2006/main">
+  <p:cSld>
+    <p:spTree>
+      <p:nvGrpSpPr>
+        <p:cNvPr id="1" name=""/>
+        <p:cNvGrpSpPr/>
+        <p:nvPr/>
+      </p:nvGrpSpPr>
+      <p:grpSpPr>
+        <a:xfrm>
+          <a:off x="0" y="0"/>
+          <a:ext cx="0" cy="0"/>
+          <a:chOff x="0" y="0"/>
+          <a:chExt cx="0" cy="0"/>
+        </a:xfrm>
+      </p:grpSpPr>
+      <p:sp>
+        <p:nvSpPr>
+          <p:cNvPr id="2" name="タイトル 1"/>
+          <p:cNvSpPr>
+            <a:spLocks noGrp="1"/>
+          </p:cNvSpPr>
+          <p:nvPr>
+            <p:ph type="title"/>
+          </p:nvPr>
+        </p:nvSpPr>
+        <p:spPr/>
+        <p:txBody>
+          <a:bodyPr/>
+          <a:lstStyle/>
+          <a:p>
+            <a:r>
+              <a:rPr kumimoji="1" lang="ja-JP" altLang="en-US" dirty="0" smtClean="0"/>
+              <a:t>バージョン管理しない場合</a:t>
+            </a:r>
+            <a:endParaRPr kumimoji="1" lang="ja-JP" altLang="en-US" dirty="0"/>
+          </a:p>
+        </p:txBody>
+      </p:sp>
+      <p:sp>
+        <p:nvSpPr>
+          <p:cNvPr id="3" name="コンテンツ プレースホルダー 2"/>
+          <p:cNvSpPr>
+            <a:spLocks noGrp="1"/>
+          </p:cNvSpPr>
+          <p:nvPr>
+            <p:ph idx="1"/>
+          </p:nvPr>
+        </p:nvSpPr>
+        <p:spPr/>
+        <p:txBody>
+          <a:bodyPr/>
+          <a:lstStyle/>
+          <a:p>
+            <a:r>
+              <a:rPr kumimoji="1" lang="ja-JP" altLang="en-US" dirty="0" smtClean="0"/>
+              <a:t>コードを改良しよう！！</a:t>
+            </a:r>
+            <a:endParaRPr kumimoji="1" lang="en-US" altLang="ja-JP" dirty="0" smtClean="0"/>
+          </a:p>
+          <a:p>
+            <a:endParaRPr kumimoji="1" lang="ja-JP" altLang="en-US" dirty="0"/>
+          </a:p>
+        </p:txBody>
+      </p:sp>
+    </p:spTree>
+    <p:extLst>
+      <p:ext uri="{BB962C8B-B14F-4D97-AF65-F5344CB8AC3E}">
+        <p14:creationId xmlns:p14="http://schemas.microsoft.com/office/powerpoint/2010/main" val="3260792759"/>
       </p:ext>
     </p:extLst>
   </p:cSld>
@@ -6620,6 +6837,714 @@
     <p:extLst>
       <p:ext uri="{BB962C8B-B14F-4D97-AF65-F5344CB8AC3E}">
         <p14:creationId xmlns:p14="http://schemas.microsoft.com/office/powerpoint/2010/main" val="300068649"/>
+      </p:ext>
+    </p:extLst>
+  </p:cSld>
+  <p:clrMapOvr>
+    <a:masterClrMapping/>
+  </p:clrMapOvr>
+</p:sld>
+</file>
+
+<file path=ppt/slides/slide30.xml><?xml version="1.0" encoding="utf-8"?>
+<p:sld xmlns:a="http://schemas.openxmlformats.org/drawingml/2006/main" xmlns:r="http://schemas.openxmlformats.org/officeDocument/2006/relationships" xmlns:p="http://schemas.openxmlformats.org/presentationml/2006/main">
+  <p:cSld>
+    <p:spTree>
+      <p:nvGrpSpPr>
+        <p:cNvPr id="1" name=""/>
+        <p:cNvGrpSpPr/>
+        <p:nvPr/>
+      </p:nvGrpSpPr>
+      <p:grpSpPr>
+        <a:xfrm>
+          <a:off x="0" y="0"/>
+          <a:ext cx="0" cy="0"/>
+          <a:chOff x="0" y="0"/>
+          <a:chExt cx="0" cy="0"/>
+        </a:xfrm>
+      </p:grpSpPr>
+      <p:sp>
+        <p:nvSpPr>
+          <p:cNvPr id="2" name="タイトル 1"/>
+          <p:cNvSpPr>
+            <a:spLocks noGrp="1"/>
+          </p:cNvSpPr>
+          <p:nvPr>
+            <p:ph type="title"/>
+          </p:nvPr>
+        </p:nvSpPr>
+        <p:spPr/>
+        <p:txBody>
+          <a:bodyPr/>
+          <a:lstStyle/>
+          <a:p>
+            <a:r>
+              <a:rPr kumimoji="1" lang="ja-JP" altLang="en-US" dirty="0" smtClean="0"/>
+              <a:t>バージョン管理しない場合２</a:t>
+            </a:r>
+            <a:endParaRPr kumimoji="1" lang="ja-JP" altLang="en-US" dirty="0"/>
+          </a:p>
+        </p:txBody>
+      </p:sp>
+      <p:sp>
+        <p:nvSpPr>
+          <p:cNvPr id="3" name="コンテンツ プレースホルダー 2"/>
+          <p:cNvSpPr>
+            <a:spLocks noGrp="1"/>
+          </p:cNvSpPr>
+          <p:nvPr>
+            <p:ph idx="1"/>
+          </p:nvPr>
+        </p:nvSpPr>
+        <p:spPr/>
+        <p:txBody>
+          <a:bodyPr/>
+          <a:lstStyle/>
+          <a:p>
+            <a:r>
+              <a:rPr kumimoji="1" lang="ja-JP" altLang="en-US" dirty="0" smtClean="0"/>
+              <a:t>前のほうがチョット良かったかも？？？</a:t>
+            </a:r>
+            <a:endParaRPr kumimoji="1" lang="ja-JP" altLang="en-US" dirty="0"/>
+          </a:p>
+        </p:txBody>
+      </p:sp>
+    </p:spTree>
+    <p:extLst>
+      <p:ext uri="{BB962C8B-B14F-4D97-AF65-F5344CB8AC3E}">
+        <p14:creationId xmlns:p14="http://schemas.microsoft.com/office/powerpoint/2010/main" val="1620325820"/>
+      </p:ext>
+    </p:extLst>
+  </p:cSld>
+  <p:clrMapOvr>
+    <a:masterClrMapping/>
+  </p:clrMapOvr>
+</p:sld>
+</file>
+
+<file path=ppt/slides/slide31.xml><?xml version="1.0" encoding="utf-8"?>
+<p:sld xmlns:a="http://schemas.openxmlformats.org/drawingml/2006/main" xmlns:r="http://schemas.openxmlformats.org/officeDocument/2006/relationships" xmlns:p="http://schemas.openxmlformats.org/presentationml/2006/main">
+  <p:cSld>
+    <p:spTree>
+      <p:nvGrpSpPr>
+        <p:cNvPr id="1" name=""/>
+        <p:cNvGrpSpPr/>
+        <p:nvPr/>
+      </p:nvGrpSpPr>
+      <p:grpSpPr>
+        <a:xfrm>
+          <a:off x="0" y="0"/>
+          <a:ext cx="0" cy="0"/>
+          <a:chOff x="0" y="0"/>
+          <a:chExt cx="0" cy="0"/>
+        </a:xfrm>
+      </p:grpSpPr>
+      <p:sp>
+        <p:nvSpPr>
+          <p:cNvPr id="2" name="タイトル 1"/>
+          <p:cNvSpPr>
+            <a:spLocks noGrp="1"/>
+          </p:cNvSpPr>
+          <p:nvPr>
+            <p:ph type="title"/>
+          </p:nvPr>
+        </p:nvSpPr>
+        <p:spPr/>
+        <p:txBody>
+          <a:bodyPr/>
+          <a:lstStyle/>
+          <a:p>
+            <a:r>
+              <a:rPr kumimoji="1" lang="ja-JP" altLang="en-US" dirty="0" smtClean="0"/>
+              <a:t>バージョン管理しない場合３</a:t>
+            </a:r>
+            <a:endParaRPr kumimoji="1" lang="ja-JP" altLang="en-US" dirty="0"/>
+          </a:p>
+        </p:txBody>
+      </p:sp>
+      <p:sp>
+        <p:nvSpPr>
+          <p:cNvPr id="3" name="コンテンツ プレースホルダー 2"/>
+          <p:cNvSpPr>
+            <a:spLocks noGrp="1"/>
+          </p:cNvSpPr>
+          <p:nvPr>
+            <p:ph idx="1"/>
+          </p:nvPr>
+        </p:nvSpPr>
+        <p:spPr/>
+        <p:txBody>
+          <a:bodyPr/>
+          <a:lstStyle/>
+          <a:p>
+            <a:r>
+              <a:rPr kumimoji="1" lang="ja-JP" altLang="en-US" dirty="0" smtClean="0"/>
+              <a:t>バックアップフォルダを探せ</a:t>
+            </a:r>
+            <a:r>
+              <a:rPr kumimoji="1" lang="en-US" altLang="ja-JP" dirty="0" smtClean="0"/>
+              <a:t>〜</a:t>
+            </a:r>
+          </a:p>
+          <a:p>
+            <a:pPr marL="0" indent="0">
+              <a:buNone/>
+            </a:pPr>
+            <a:endParaRPr kumimoji="1" lang="ja-JP" altLang="en-US" dirty="0"/>
+          </a:p>
+        </p:txBody>
+      </p:sp>
+    </p:spTree>
+    <p:extLst>
+      <p:ext uri="{BB962C8B-B14F-4D97-AF65-F5344CB8AC3E}">
+        <p14:creationId xmlns:p14="http://schemas.microsoft.com/office/powerpoint/2010/main" val="1747555092"/>
+      </p:ext>
+    </p:extLst>
+  </p:cSld>
+  <p:clrMapOvr>
+    <a:masterClrMapping/>
+  </p:clrMapOvr>
+</p:sld>
+</file>
+
+<file path=ppt/slides/slide32.xml><?xml version="1.0" encoding="utf-8"?>
+<p:sld xmlns:a="http://schemas.openxmlformats.org/drawingml/2006/main" xmlns:r="http://schemas.openxmlformats.org/officeDocument/2006/relationships" xmlns:p="http://schemas.openxmlformats.org/presentationml/2006/main">
+  <p:cSld>
+    <p:spTree>
+      <p:nvGrpSpPr>
+        <p:cNvPr id="1" name=""/>
+        <p:cNvGrpSpPr/>
+        <p:nvPr/>
+      </p:nvGrpSpPr>
+      <p:grpSpPr>
+        <a:xfrm>
+          <a:off x="0" y="0"/>
+          <a:ext cx="0" cy="0"/>
+          <a:chOff x="0" y="0"/>
+          <a:chExt cx="0" cy="0"/>
+        </a:xfrm>
+      </p:grpSpPr>
+      <p:sp>
+        <p:nvSpPr>
+          <p:cNvPr id="2" name="タイトル 1"/>
+          <p:cNvSpPr>
+            <a:spLocks noGrp="1"/>
+          </p:cNvSpPr>
+          <p:nvPr>
+            <p:ph type="title"/>
+          </p:nvPr>
+        </p:nvSpPr>
+        <p:spPr/>
+        <p:txBody>
+          <a:bodyPr/>
+          <a:lstStyle/>
+          <a:p>
+            <a:r>
+              <a:rPr kumimoji="1" lang="ja-JP" altLang="en-US" dirty="0" smtClean="0"/>
+              <a:t>バージョン管理しない場合４</a:t>
+            </a:r>
+            <a:endParaRPr kumimoji="1" lang="ja-JP" altLang="en-US" dirty="0"/>
+          </a:p>
+        </p:txBody>
+      </p:sp>
+      <p:sp>
+        <p:nvSpPr>
+          <p:cNvPr id="3" name="コンテンツ プレースホルダー 2"/>
+          <p:cNvSpPr>
+            <a:spLocks noGrp="1"/>
+          </p:cNvSpPr>
+          <p:nvPr>
+            <p:ph idx="1"/>
+          </p:nvPr>
+        </p:nvSpPr>
+        <p:spPr/>
+        <p:txBody>
+          <a:bodyPr/>
+          <a:lstStyle/>
+          <a:p>
+            <a:r>
+              <a:rPr kumimoji="1" lang="ja-JP" altLang="en-US" dirty="0" smtClean="0"/>
+              <a:t>既に上書き保存してしまっていた・・・</a:t>
+            </a:r>
+            <a:r>
+              <a:rPr kumimoji="1" lang="en-US" altLang="ja-JP" dirty="0" err="1" smtClean="0"/>
+              <a:t>Orz</a:t>
+            </a:r>
+            <a:endParaRPr kumimoji="1" lang="en-US" altLang="ja-JP" dirty="0" smtClean="0"/>
+          </a:p>
+          <a:p>
+            <a:pPr marL="0" indent="0" algn="ctr">
+              <a:buNone/>
+            </a:pPr>
+            <a:endParaRPr lang="en-US" altLang="ja-JP" dirty="0" smtClean="0"/>
+          </a:p>
+          <a:p>
+            <a:pPr marL="0" indent="0" algn="ctr">
+              <a:buNone/>
+            </a:pPr>
+            <a:endParaRPr lang="en-US" altLang="ja-JP" dirty="0"/>
+          </a:p>
+          <a:p>
+            <a:pPr marL="0" indent="0" algn="ctr">
+              <a:buNone/>
+            </a:pPr>
+            <a:r>
+              <a:rPr lang="ja-JP" altLang="en-US" dirty="0" smtClean="0">
+                <a:solidFill>
+                  <a:srgbClr val="FF0000"/>
+                </a:solidFill>
+              </a:rPr>
+              <a:t>最悪のパターン</a:t>
+            </a:r>
+            <a:endParaRPr kumimoji="1" lang="ja-JP" altLang="en-US" dirty="0">
+              <a:solidFill>
+                <a:srgbClr val="FF0000"/>
+              </a:solidFill>
+            </a:endParaRPr>
+          </a:p>
+        </p:txBody>
+      </p:sp>
+    </p:spTree>
+    <p:extLst>
+      <p:ext uri="{BB962C8B-B14F-4D97-AF65-F5344CB8AC3E}">
+        <p14:creationId xmlns:p14="http://schemas.microsoft.com/office/powerpoint/2010/main" val="2272376849"/>
+      </p:ext>
+    </p:extLst>
+  </p:cSld>
+  <p:clrMapOvr>
+    <a:masterClrMapping/>
+  </p:clrMapOvr>
+</p:sld>
+</file>
+
+<file path=ppt/slides/slide33.xml><?xml version="1.0" encoding="utf-8"?>
+<p:sld xmlns:a="http://schemas.openxmlformats.org/drawingml/2006/main" xmlns:r="http://schemas.openxmlformats.org/officeDocument/2006/relationships" xmlns:p="http://schemas.openxmlformats.org/presentationml/2006/main">
+  <p:cSld>
+    <p:spTree>
+      <p:nvGrpSpPr>
+        <p:cNvPr id="1" name=""/>
+        <p:cNvGrpSpPr/>
+        <p:nvPr/>
+      </p:nvGrpSpPr>
+      <p:grpSpPr>
+        <a:xfrm>
+          <a:off x="0" y="0"/>
+          <a:ext cx="0" cy="0"/>
+          <a:chOff x="0" y="0"/>
+          <a:chExt cx="0" cy="0"/>
+        </a:xfrm>
+      </p:grpSpPr>
+      <p:sp>
+        <p:nvSpPr>
+          <p:cNvPr id="2" name="タイトル 1"/>
+          <p:cNvSpPr>
+            <a:spLocks noGrp="1"/>
+          </p:cNvSpPr>
+          <p:nvPr>
+            <p:ph type="title"/>
+          </p:nvPr>
+        </p:nvSpPr>
+        <p:spPr/>
+        <p:txBody>
+          <a:bodyPr/>
+          <a:lstStyle/>
+          <a:p>
+            <a:r>
+              <a:rPr kumimoji="1" lang="ja-JP" altLang="en-US" dirty="0" smtClean="0"/>
+              <a:t>よくある解決法</a:t>
+            </a:r>
+            <a:endParaRPr kumimoji="1" lang="ja-JP" altLang="en-US" dirty="0"/>
+          </a:p>
+        </p:txBody>
+      </p:sp>
+      <p:sp>
+        <p:nvSpPr>
+          <p:cNvPr id="3" name="コンテンツ プレースホルダー 2"/>
+          <p:cNvSpPr>
+            <a:spLocks noGrp="1"/>
+          </p:cNvSpPr>
+          <p:nvPr>
+            <p:ph idx="1"/>
+          </p:nvPr>
+        </p:nvSpPr>
+        <p:spPr/>
+        <p:txBody>
+          <a:bodyPr>
+            <a:normAutofit lnSpcReduction="10000"/>
+          </a:bodyPr>
+          <a:lstStyle/>
+          <a:p>
+            <a:r>
+              <a:rPr lang="en-US" altLang="ja-JP" dirty="0" smtClean="0"/>
+              <a:t>Prog01.cpp</a:t>
+            </a:r>
+          </a:p>
+          <a:p>
+            <a:r>
+              <a:rPr kumimoji="1" lang="en-US" altLang="ja-JP" dirty="0" smtClean="0"/>
+              <a:t>Prog01-20130124.cpp</a:t>
+            </a:r>
+          </a:p>
+          <a:p>
+            <a:r>
+              <a:rPr lang="en-US" altLang="ja-JP" dirty="0" smtClean="0"/>
+              <a:t>Prog01-20141010.cpp</a:t>
+            </a:r>
+          </a:p>
+          <a:p>
+            <a:r>
+              <a:rPr kumimoji="1" lang="en-US" altLang="ja-JP" dirty="0" smtClean="0"/>
+              <a:t>Prog01.20141010-001.cpp</a:t>
+            </a:r>
+          </a:p>
+          <a:p>
+            <a:r>
+              <a:rPr lang="en-US" altLang="ja-JP" dirty="0" smtClean="0"/>
+              <a:t>Prog01.20141010-002.cpp</a:t>
+            </a:r>
+          </a:p>
+          <a:p>
+            <a:r>
+              <a:rPr kumimoji="1" lang="ja-JP" altLang="en-US" dirty="0" smtClean="0"/>
+              <a:t>ディレクトリも名前変えちゃうとか</a:t>
+            </a:r>
+            <a:endParaRPr kumimoji="1" lang="en-US" altLang="ja-JP" dirty="0" smtClean="0"/>
+          </a:p>
+          <a:p>
+            <a:pPr marL="0" indent="0">
+              <a:buNone/>
+            </a:pPr>
+            <a:endParaRPr lang="en-US" altLang="ja-JP" dirty="0"/>
+          </a:p>
+          <a:p>
+            <a:pPr marL="0" indent="0" algn="ctr">
+              <a:buNone/>
+            </a:pPr>
+            <a:r>
+              <a:rPr kumimoji="1" lang="ja-JP" altLang="en-US" sz="4400" dirty="0" smtClean="0">
+                <a:solidFill>
+                  <a:srgbClr val="FF0000"/>
+                </a:solidFill>
+              </a:rPr>
+              <a:t>地獄の始まり</a:t>
+            </a:r>
+          </a:p>
+        </p:txBody>
+      </p:sp>
+    </p:spTree>
+    <p:extLst>
+      <p:ext uri="{BB962C8B-B14F-4D97-AF65-F5344CB8AC3E}">
+        <p14:creationId xmlns:p14="http://schemas.microsoft.com/office/powerpoint/2010/main" val="3639565487"/>
+      </p:ext>
+    </p:extLst>
+  </p:cSld>
+  <p:clrMapOvr>
+    <a:masterClrMapping/>
+  </p:clrMapOvr>
+</p:sld>
+</file>
+
+<file path=ppt/slides/slide34.xml><?xml version="1.0" encoding="utf-8"?>
+<p:sld xmlns:a="http://schemas.openxmlformats.org/drawingml/2006/main" xmlns:r="http://schemas.openxmlformats.org/officeDocument/2006/relationships" xmlns:p="http://schemas.openxmlformats.org/presentationml/2006/main">
+  <p:cSld>
+    <p:spTree>
+      <p:nvGrpSpPr>
+        <p:cNvPr id="1" name=""/>
+        <p:cNvGrpSpPr/>
+        <p:nvPr/>
+      </p:nvGrpSpPr>
+      <p:grpSpPr>
+        <a:xfrm>
+          <a:off x="0" y="0"/>
+          <a:ext cx="0" cy="0"/>
+          <a:chOff x="0" y="0"/>
+          <a:chExt cx="0" cy="0"/>
+        </a:xfrm>
+      </p:grpSpPr>
+      <p:sp>
+        <p:nvSpPr>
+          <p:cNvPr id="2" name="タイトル 1"/>
+          <p:cNvSpPr>
+            <a:spLocks noGrp="1"/>
+          </p:cNvSpPr>
+          <p:nvPr>
+            <p:ph type="title"/>
+          </p:nvPr>
+        </p:nvSpPr>
+        <p:spPr/>
+        <p:txBody>
+          <a:bodyPr/>
+          <a:lstStyle/>
+          <a:p>
+            <a:r>
+              <a:rPr kumimoji="1" lang="ja-JP" altLang="en-US" dirty="0" smtClean="0"/>
+              <a:t>それ</a:t>
+            </a:r>
+            <a:r>
+              <a:rPr kumimoji="1" lang="en-US" altLang="ja-JP" dirty="0" err="1" smtClean="0"/>
+              <a:t>Dropbox</a:t>
+            </a:r>
+            <a:r>
+              <a:rPr kumimoji="1" lang="ja-JP" altLang="en-US" dirty="0" smtClean="0"/>
+              <a:t>でよくね？</a:t>
+            </a:r>
+            <a:endParaRPr kumimoji="1" lang="ja-JP" altLang="en-US" dirty="0"/>
+          </a:p>
+        </p:txBody>
+      </p:sp>
+      <p:sp>
+        <p:nvSpPr>
+          <p:cNvPr id="3" name="コンテンツ プレースホルダー 2"/>
+          <p:cNvSpPr>
+            <a:spLocks noGrp="1"/>
+          </p:cNvSpPr>
+          <p:nvPr>
+            <p:ph idx="1"/>
+          </p:nvPr>
+        </p:nvSpPr>
+        <p:spPr/>
+        <p:txBody>
+          <a:bodyPr/>
+          <a:lstStyle/>
+          <a:p>
+            <a:r>
+              <a:rPr kumimoji="1" lang="ja-JP" altLang="en-US" dirty="0" smtClean="0"/>
+              <a:t>一つのファイルを一人でいじるだけなら。</a:t>
+            </a:r>
+            <a:endParaRPr kumimoji="1" lang="en-US" altLang="ja-JP" dirty="0" smtClean="0"/>
+          </a:p>
+          <a:p>
+            <a:endParaRPr kumimoji="1" lang="ja-JP" altLang="en-US" dirty="0"/>
+          </a:p>
+        </p:txBody>
+      </p:sp>
+    </p:spTree>
+    <p:extLst>
+      <p:ext uri="{BB962C8B-B14F-4D97-AF65-F5344CB8AC3E}">
+        <p14:creationId xmlns:p14="http://schemas.microsoft.com/office/powerpoint/2010/main" val="2296673232"/>
+      </p:ext>
+    </p:extLst>
+  </p:cSld>
+  <p:clrMapOvr>
+    <a:masterClrMapping/>
+  </p:clrMapOvr>
+</p:sld>
+</file>
+
+<file path=ppt/slides/slide35.xml><?xml version="1.0" encoding="utf-8"?>
+<p:sld xmlns:a="http://schemas.openxmlformats.org/drawingml/2006/main" xmlns:r="http://schemas.openxmlformats.org/officeDocument/2006/relationships" xmlns:p="http://schemas.openxmlformats.org/presentationml/2006/main">
+  <p:cSld>
+    <p:spTree>
+      <p:nvGrpSpPr>
+        <p:cNvPr id="1" name=""/>
+        <p:cNvGrpSpPr/>
+        <p:nvPr/>
+      </p:nvGrpSpPr>
+      <p:grpSpPr>
+        <a:xfrm>
+          <a:off x="0" y="0"/>
+          <a:ext cx="0" cy="0"/>
+          <a:chOff x="0" y="0"/>
+          <a:chExt cx="0" cy="0"/>
+        </a:xfrm>
+      </p:grpSpPr>
+      <p:sp>
+        <p:nvSpPr>
+          <p:cNvPr id="2" name="タイトル 1"/>
+          <p:cNvSpPr>
+            <a:spLocks noGrp="1"/>
+          </p:cNvSpPr>
+          <p:nvPr>
+            <p:ph type="title"/>
+          </p:nvPr>
+        </p:nvSpPr>
+        <p:spPr/>
+        <p:txBody>
+          <a:bodyPr/>
+          <a:lstStyle/>
+          <a:p>
+            <a:r>
+              <a:rPr kumimoji="1" lang="en-US" altLang="ja-JP" dirty="0" err="1" smtClean="0"/>
+              <a:t>Dropbox</a:t>
+            </a:r>
+            <a:r>
+              <a:rPr kumimoji="1" lang="ja-JP" altLang="en-US" dirty="0" smtClean="0"/>
+              <a:t>で不便な事例</a:t>
+            </a:r>
+            <a:endParaRPr kumimoji="1" lang="ja-JP" altLang="en-US" dirty="0"/>
+          </a:p>
+        </p:txBody>
+      </p:sp>
+      <p:sp>
+        <p:nvSpPr>
+          <p:cNvPr id="3" name="コンテンツ プレースホルダー 2"/>
+          <p:cNvSpPr>
+            <a:spLocks noGrp="1"/>
+          </p:cNvSpPr>
+          <p:nvPr>
+            <p:ph idx="1"/>
+          </p:nvPr>
+        </p:nvSpPr>
+        <p:spPr/>
+        <p:txBody>
+          <a:bodyPr/>
+          <a:lstStyle/>
+          <a:p>
+            <a:r>
+              <a:rPr kumimoji="1" lang="ja-JP" altLang="en-US" dirty="0" smtClean="0"/>
+              <a:t>変更したファイルが複数の場合</a:t>
+            </a:r>
+            <a:endParaRPr lang="en-US" altLang="ja-JP" dirty="0"/>
+          </a:p>
+          <a:p>
+            <a:pPr lvl="1"/>
+            <a:r>
+              <a:rPr kumimoji="1" lang="ja-JP" altLang="en-US" sz="1800" dirty="0" smtClean="0"/>
+              <a:t>ライブラリ追加して、ヘッダ書き換えて、メインのコード書き換えて・・・</a:t>
+            </a:r>
+            <a:endParaRPr kumimoji="1" lang="en-US" altLang="ja-JP" sz="1800" dirty="0" smtClean="0"/>
+          </a:p>
+          <a:p>
+            <a:pPr lvl="1"/>
+            <a:r>
+              <a:rPr lang="ja-JP" altLang="en-US" sz="1800" dirty="0" smtClean="0"/>
+              <a:t>論文でも画像の差し替えとか</a:t>
+            </a:r>
+            <a:endParaRPr lang="en-US" altLang="ja-JP" sz="1800" dirty="0" smtClean="0"/>
+          </a:p>
+          <a:p>
+            <a:endParaRPr lang="en-US" altLang="ja-JP" sz="2200" dirty="0"/>
+          </a:p>
+          <a:p>
+            <a:r>
+              <a:rPr lang="ja-JP" altLang="en-US" sz="2200" dirty="0" smtClean="0"/>
+              <a:t>複数人で同じコード触れない</a:t>
+            </a:r>
+            <a:endParaRPr lang="en-US" altLang="ja-JP" sz="2200" dirty="0" smtClean="0"/>
+          </a:p>
+          <a:p>
+            <a:pPr lvl="1"/>
+            <a:r>
+              <a:rPr lang="ja-JP" altLang="en-US" sz="1800" dirty="0" smtClean="0"/>
+              <a:t>今から修正するからこのフォルダのファイルは触らないで！とかサイコウに無駄。</a:t>
+            </a:r>
+            <a:endParaRPr lang="en-US" altLang="ja-JP" sz="1800" dirty="0" smtClean="0"/>
+          </a:p>
+          <a:p>
+            <a:pPr marL="457200" lvl="1" indent="0">
+              <a:buNone/>
+            </a:pPr>
+            <a:endParaRPr lang="en-US" altLang="ja-JP" sz="1800" dirty="0" smtClean="0"/>
+          </a:p>
+          <a:p>
+            <a:r>
+              <a:rPr kumimoji="1" lang="ja-JP" altLang="en-US" sz="2400" dirty="0" smtClean="0"/>
+              <a:t>どの状態に戻すと適切かわからないでしょ？</a:t>
+            </a:r>
+            <a:endParaRPr kumimoji="1" lang="ja-JP" altLang="en-US" sz="2400" dirty="0"/>
+          </a:p>
+        </p:txBody>
+      </p:sp>
+    </p:spTree>
+    <p:extLst>
+      <p:ext uri="{BB962C8B-B14F-4D97-AF65-F5344CB8AC3E}">
+        <p14:creationId xmlns:p14="http://schemas.microsoft.com/office/powerpoint/2010/main" val="2570243774"/>
+      </p:ext>
+    </p:extLst>
+  </p:cSld>
+  <p:clrMapOvr>
+    <a:masterClrMapping/>
+  </p:clrMapOvr>
+</p:sld>
+</file>
+
+<file path=ppt/slides/slide36.xml><?xml version="1.0" encoding="utf-8"?>
+<p:sld xmlns:a="http://schemas.openxmlformats.org/drawingml/2006/main" xmlns:r="http://schemas.openxmlformats.org/officeDocument/2006/relationships" xmlns:p="http://schemas.openxmlformats.org/presentationml/2006/main">
+  <p:cSld>
+    <p:spTree>
+      <p:nvGrpSpPr>
+        <p:cNvPr id="1" name=""/>
+        <p:cNvGrpSpPr/>
+        <p:nvPr/>
+      </p:nvGrpSpPr>
+      <p:grpSpPr>
+        <a:xfrm>
+          <a:off x="0" y="0"/>
+          <a:ext cx="0" cy="0"/>
+          <a:chOff x="0" y="0"/>
+          <a:chExt cx="0" cy="0"/>
+        </a:xfrm>
+      </p:grpSpPr>
+      <p:sp>
+        <p:nvSpPr>
+          <p:cNvPr id="3" name="コンテンツ プレースホルダー 2"/>
+          <p:cNvSpPr>
+            <a:spLocks noGrp="1"/>
+          </p:cNvSpPr>
+          <p:nvPr>
+            <p:ph idx="1"/>
+          </p:nvPr>
+        </p:nvSpPr>
+        <p:spPr/>
+        <p:txBody>
+          <a:bodyPr>
+            <a:normAutofit lnSpcReduction="10000"/>
+          </a:bodyPr>
+          <a:lstStyle/>
+          <a:p>
+            <a:endParaRPr kumimoji="1" lang="en-US" altLang="ja-JP" dirty="0" smtClean="0"/>
+          </a:p>
+          <a:p>
+            <a:endParaRPr lang="en-US" altLang="ja-JP" dirty="0"/>
+          </a:p>
+          <a:p>
+            <a:endParaRPr kumimoji="1" lang="en-US" altLang="ja-JP" dirty="0" smtClean="0"/>
+          </a:p>
+          <a:p>
+            <a:endParaRPr lang="en-US" altLang="ja-JP" dirty="0"/>
+          </a:p>
+          <a:p>
+            <a:endParaRPr kumimoji="1" lang="en-US" altLang="ja-JP" dirty="0" smtClean="0"/>
+          </a:p>
+          <a:p>
+            <a:r>
+              <a:rPr kumimoji="1" lang="ja-JP" altLang="en-US" dirty="0" smtClean="0"/>
+              <a:t>オッサン体力の限界</a:t>
+            </a:r>
+            <a:endParaRPr kumimoji="1" lang="en-US" altLang="ja-JP" dirty="0" smtClean="0"/>
+          </a:p>
+          <a:p>
+            <a:r>
+              <a:rPr lang="ja-JP" altLang="en-US" dirty="0" smtClean="0"/>
+              <a:t>明日も仕事だ、もう寝かせてくれ</a:t>
+            </a:r>
+            <a:endParaRPr lang="en-US" altLang="ja-JP" dirty="0" smtClean="0"/>
+          </a:p>
+          <a:p>
+            <a:r>
+              <a:rPr kumimoji="1" lang="ja-JP" altLang="en-US" dirty="0" smtClean="0"/>
+              <a:t>続き</a:t>
+            </a:r>
+            <a:r>
+              <a:rPr kumimoji="1" lang="ja-JP" altLang="en-US" smtClean="0"/>
+              <a:t>は次回、若しくは</a:t>
+            </a:r>
+            <a:r>
+              <a:rPr kumimoji="1" lang="en-US" altLang="ja-JP" dirty="0" smtClean="0"/>
+              <a:t>WEB</a:t>
+            </a:r>
+            <a:r>
+              <a:rPr kumimoji="1" lang="ja-JP" altLang="en-US" dirty="0" smtClean="0"/>
+              <a:t>で。</a:t>
+            </a:r>
+            <a:endParaRPr kumimoji="1" lang="ja-JP" altLang="en-US" dirty="0"/>
+          </a:p>
+        </p:txBody>
+      </p:sp>
+    </p:spTree>
+    <p:extLst>
+      <p:ext uri="{BB962C8B-B14F-4D97-AF65-F5344CB8AC3E}">
+        <p14:creationId xmlns:p14="http://schemas.microsoft.com/office/powerpoint/2010/main" val="2944390214"/>
       </p:ext>
     </p:extLst>
   </p:cSld>
@@ -7246,26 +8171,34 @@
           <a:p>
             <a:pPr lvl="1"/>
             <a:r>
-              <a:rPr lang="ja-JP" altLang="en-US" dirty="0" smtClean="0"/>
+              <a:rPr lang="ja-JP" altLang="en-US" dirty="0" smtClean="0">
+                <a:solidFill>
+                  <a:srgbClr val="FF0000"/>
+                </a:solidFill>
+              </a:rPr>
               <a:t>研究者の役に立つ</a:t>
             </a:r>
-            <a:endParaRPr lang="en-US" altLang="ja-JP" dirty="0" smtClean="0"/>
+            <a:endParaRPr lang="en-US" altLang="ja-JP" dirty="0" smtClean="0">
+              <a:solidFill>
+                <a:srgbClr val="FF0000"/>
+              </a:solidFill>
+            </a:endParaRPr>
           </a:p>
           <a:p>
             <a:pPr lvl="1"/>
             <a:r>
-              <a:rPr lang="ja-JP" altLang="en-US" dirty="0" smtClean="0"/>
+              <a:rPr lang="ja-JP" altLang="en-US" sz="1800" dirty="0" smtClean="0"/>
               <a:t>業務でも使えそうだし</a:t>
             </a:r>
-            <a:endParaRPr lang="en-US" altLang="ja-JP" dirty="0" smtClean="0"/>
+            <a:endParaRPr lang="en-US" altLang="ja-JP" sz="1800" dirty="0" smtClean="0"/>
           </a:p>
           <a:p>
             <a:pPr lvl="2"/>
             <a:r>
-              <a:rPr lang="ja-JP" altLang="en-US" dirty="0" smtClean="0"/>
+              <a:rPr lang="ja-JP" altLang="en-US" sz="1800" dirty="0" smtClean="0"/>
               <a:t>業務では絶対使う！（使えるモノにする）</a:t>
             </a:r>
-            <a:endParaRPr lang="en-US" altLang="ja-JP" dirty="0" smtClean="0"/>
+            <a:endParaRPr lang="en-US" altLang="ja-JP" sz="1800" dirty="0" smtClean="0"/>
           </a:p>
           <a:p>
             <a:pPr lvl="1"/>
@@ -7283,7 +8216,11 @@
             </a:r>
             <a:r>
               <a:rPr lang="ja-JP" altLang="en-US" dirty="0" smtClean="0"/>
-              <a:t>に限らず様々なソース解析に役立てれば。。</a:t>
+              <a:t>に限らず様々なソース解析</a:t>
+            </a:r>
+            <a:r>
+              <a:rPr lang="ja-JP" altLang="en-US" dirty="0" smtClean="0"/>
+              <a:t>に</a:t>
             </a:r>
             <a:endParaRPr lang="en-US" altLang="ja-JP" dirty="0"/>
           </a:p>
@@ -7488,7 +8425,23 @@
                   <a:srgbClr val="FF0000"/>
                 </a:solidFill>
               </a:rPr>
-              <a:t>コメントされるか？</a:t>
+              <a:t>コメント</a:t>
+            </a:r>
+            <a:r>
+              <a:rPr lang="ja-JP" altLang="en-US" dirty="0" smtClean="0">
+                <a:solidFill>
+                  <a:srgbClr val="FF0000"/>
+                </a:solidFill>
+              </a:rPr>
+              <a:t>ありますか</a:t>
+            </a:r>
+            <a:r>
+              <a:rPr lang="ja-JP" altLang="en-US" dirty="0" smtClean="0">
+                <a:solidFill>
+                  <a:srgbClr val="FF0000"/>
+                </a:solidFill>
+              </a:rPr>
+              <a:t>？</a:t>
             </a:r>
             <a:endParaRPr kumimoji="1" lang="en-US" altLang="ja-JP" dirty="0" smtClean="0">
               <a:solidFill>
